--- a/WeatherApp/Presentation/MVVM.pptx
+++ b/WeatherApp/Presentation/MVVM.pptx
@@ -168,6 +168,11 @@
       </a:defRPr>
     </a:lvl9pPr>
   </p:defaultTextStyle>
+  <p:extLst>
+    <p:ext uri="{EFAFB233-063F-42B5-8137-9DF3F51BA10A}">
+      <p15:sldGuideLst xmlns:p15="http://schemas.microsoft.com/office/powerpoint/2012/main"/>
+    </p:ext>
+  </p:extLst>
 </p:presentation>
 </file>
 
@@ -27822,6 +27827,244 @@
           <a:chExt cx="0" cy="0"/>
         </a:xfrm>
       </p:grpSpPr>
+      <p:sp>
+        <p:nvSpPr>
+          <p:cNvPr id="2" name="TextBox 1">
+            <a:extLst>
+              <a:ext uri="{FF2B5EF4-FFF2-40B4-BE49-F238E27FC236}">
+                <a16:creationId xmlns:a16="http://schemas.microsoft.com/office/drawing/2014/main" id="{DD52D391-0EBC-4DFA-A70E-1F135A5A5E5F}"/>
+              </a:ext>
+            </a:extLst>
+          </p:cNvPr>
+          <p:cNvSpPr txBox="1"/>
+          <p:nvPr/>
+        </p:nvSpPr>
+        <p:spPr>
+          <a:xfrm>
+            <a:off x="325024" y="312023"/>
+            <a:ext cx="2547364" cy="646331"/>
+          </a:xfrm>
+          <a:prstGeom prst="rect">
+            <a:avLst/>
+          </a:prstGeom>
+          <a:noFill/>
+        </p:spPr>
+        <p:txBody>
+          <a:bodyPr wrap="none" rtlCol="0">
+            <a:spAutoFit/>
+          </a:bodyPr>
+          <a:lstStyle/>
+          <a:p>
+            <a:r>
+              <a:rPr lang="en-GB" dirty="0" err="1"/>
+              <a:t>ICommand</a:t>
+            </a:r>
+            <a:r>
+              <a:rPr lang="en-GB" dirty="0"/>
+              <a:t> </a:t>
+            </a:r>
+          </a:p>
+          <a:p>
+            <a:r>
+              <a:rPr lang="en-GB" dirty="0"/>
+              <a:t>Replacing Event Handlers</a:t>
+            </a:r>
+            <a:endParaRPr lang="en-US" dirty="0"/>
+          </a:p>
+        </p:txBody>
+      </p:sp>
+      <p:sp>
+        <p:nvSpPr>
+          <p:cNvPr id="3" name="TextBox 2">
+            <a:extLst>
+              <a:ext uri="{FF2B5EF4-FFF2-40B4-BE49-F238E27FC236}">
+                <a16:creationId xmlns:a16="http://schemas.microsoft.com/office/drawing/2014/main" id="{D892808B-06E0-4751-8C26-2338B2B0AA9A}"/>
+              </a:ext>
+            </a:extLst>
+          </p:cNvPr>
+          <p:cNvSpPr txBox="1"/>
+          <p:nvPr/>
+        </p:nvSpPr>
+        <p:spPr>
+          <a:xfrm>
+            <a:off x="369083" y="1123137"/>
+            <a:ext cx="7163243" cy="2031325"/>
+          </a:xfrm>
+          <a:prstGeom prst="rect">
+            <a:avLst/>
+          </a:prstGeom>
+          <a:noFill/>
+        </p:spPr>
+        <p:txBody>
+          <a:bodyPr wrap="none" rtlCol="0">
+            <a:spAutoFit/>
+          </a:bodyPr>
+          <a:lstStyle/>
+          <a:p>
+            <a:r>
+              <a:rPr lang="en-GB" dirty="0"/>
+              <a:t>Why to use it?</a:t>
+            </a:r>
+          </a:p>
+          <a:p>
+            <a:pPr marL="285750" indent="-285750">
+              <a:buFont typeface="Arial" panose="020B0604020202020204" pitchFamily="34" charset="0"/>
+              <a:buChar char="•"/>
+            </a:pPr>
+            <a:r>
+              <a:rPr lang="en-GB" dirty="0"/>
+              <a:t>Commands can move some of the code behind logic to the View Model</a:t>
+            </a:r>
+          </a:p>
+          <a:p>
+            <a:pPr marL="742950" lvl="1" indent="-285750">
+              <a:buFont typeface="Arial" panose="020B0604020202020204" pitchFamily="34" charset="0"/>
+              <a:buChar char="•"/>
+            </a:pPr>
+            <a:r>
+              <a:rPr lang="en-GB" dirty="0"/>
+              <a:t>Cleans up the View</a:t>
+            </a:r>
+          </a:p>
+          <a:p>
+            <a:pPr marL="742950" lvl="1" indent="-285750">
+              <a:buFont typeface="Arial" panose="020B0604020202020204" pitchFamily="34" charset="0"/>
+              <a:buChar char="•"/>
+            </a:pPr>
+            <a:r>
+              <a:rPr lang="en-GB" dirty="0"/>
+              <a:t>Can be reused between Windows</a:t>
+            </a:r>
+          </a:p>
+          <a:p>
+            <a:pPr marL="742950" lvl="1" indent="-285750">
+              <a:buFont typeface="Arial" panose="020B0604020202020204" pitchFamily="34" charset="0"/>
+              <a:buChar char="•"/>
+            </a:pPr>
+            <a:endParaRPr lang="en-GB" dirty="0"/>
+          </a:p>
+          <a:p>
+            <a:pPr marL="285750" indent="-285750">
+              <a:buFont typeface="Arial" panose="020B0604020202020204" pitchFamily="34" charset="0"/>
+              <a:buChar char="•"/>
+            </a:pPr>
+            <a:r>
+              <a:rPr lang="en-GB" dirty="0"/>
+              <a:t>Exist as property of the Buttons</a:t>
+            </a:r>
+          </a:p>
+          <a:p>
+            <a:pPr marL="742950" lvl="1" indent="-285750">
+              <a:buFont typeface="Arial" panose="020B0604020202020204" pitchFamily="34" charset="0"/>
+              <a:buChar char="•"/>
+            </a:pPr>
+            <a:r>
+              <a:rPr lang="en-GB" dirty="0"/>
+              <a:t>Perfect replacement for Event Handlers</a:t>
+            </a:r>
+            <a:endParaRPr lang="en-US" dirty="0"/>
+          </a:p>
+        </p:txBody>
+      </p:sp>
+      <p:sp>
+        <p:nvSpPr>
+          <p:cNvPr id="4" name="TextBox 3">
+            <a:extLst>
+              <a:ext uri="{FF2B5EF4-FFF2-40B4-BE49-F238E27FC236}">
+                <a16:creationId xmlns:a16="http://schemas.microsoft.com/office/drawing/2014/main" id="{0E59FA23-7E89-43BF-ADDB-42AD4143AC24}"/>
+              </a:ext>
+            </a:extLst>
+          </p:cNvPr>
+          <p:cNvSpPr txBox="1"/>
+          <p:nvPr/>
+        </p:nvSpPr>
+        <p:spPr>
+          <a:xfrm>
+            <a:off x="404474" y="3429000"/>
+            <a:ext cx="5414111" cy="1477328"/>
+          </a:xfrm>
+          <a:prstGeom prst="rect">
+            <a:avLst/>
+          </a:prstGeom>
+          <a:noFill/>
+        </p:spPr>
+        <p:txBody>
+          <a:bodyPr wrap="none" rtlCol="0">
+            <a:spAutoFit/>
+          </a:bodyPr>
+          <a:lstStyle/>
+          <a:p>
+            <a:r>
+              <a:rPr lang="en-GB" dirty="0"/>
+              <a:t>How it works?</a:t>
+            </a:r>
+          </a:p>
+          <a:p>
+            <a:pPr marL="342900" indent="-342900">
+              <a:buFont typeface="+mj-lt"/>
+              <a:buAutoNum type="arabicPeriod"/>
+            </a:pPr>
+            <a:r>
+              <a:rPr lang="en-GB" dirty="0"/>
+              <a:t>The </a:t>
+            </a:r>
+            <a:r>
+              <a:rPr lang="en-GB" dirty="0" err="1"/>
+              <a:t>ViewModel</a:t>
+            </a:r>
+            <a:r>
+              <a:rPr lang="en-GB" dirty="0"/>
+              <a:t> implement the </a:t>
+            </a:r>
+            <a:r>
+              <a:rPr lang="en-GB" dirty="0" err="1"/>
+              <a:t>ICommand</a:t>
+            </a:r>
+            <a:r>
+              <a:rPr lang="en-GB" dirty="0"/>
+              <a:t> interface</a:t>
+            </a:r>
+          </a:p>
+          <a:p>
+            <a:pPr marL="342900" indent="-342900">
+              <a:buFont typeface="+mj-lt"/>
+              <a:buAutoNum type="arabicPeriod"/>
+            </a:pPr>
+            <a:r>
+              <a:rPr lang="en-GB" dirty="0"/>
+              <a:t>The functionality is added to the Execute member</a:t>
+            </a:r>
+          </a:p>
+          <a:p>
+            <a:pPr marL="342900" indent="-342900">
+              <a:buFont typeface="+mj-lt"/>
+              <a:buAutoNum type="arabicPeriod"/>
+            </a:pPr>
+            <a:r>
+              <a:rPr lang="en-GB" dirty="0"/>
+              <a:t>Optional </a:t>
+            </a:r>
+            <a:r>
+              <a:rPr lang="en-GB" dirty="0" err="1"/>
+              <a:t>CanExecute</a:t>
+            </a:r>
+            <a:r>
+              <a:rPr lang="en-GB" dirty="0"/>
+              <a:t> evaluations can be performed</a:t>
+            </a:r>
+          </a:p>
+          <a:p>
+            <a:pPr marL="342900" indent="-342900">
+              <a:buFont typeface="+mj-lt"/>
+              <a:buAutoNum type="arabicPeriod"/>
+            </a:pPr>
+            <a:r>
+              <a:rPr lang="en-GB" dirty="0"/>
+              <a:t>The command is assigned</a:t>
+            </a:r>
+          </a:p>
+        </p:txBody>
+      </p:sp>
     </p:spTree>
     <p:extLst>
       <p:ext uri="{BB962C8B-B14F-4D97-AF65-F5344CB8AC3E}">
@@ -27858,6 +28101,743 @@
           <a:chExt cx="0" cy="0"/>
         </a:xfrm>
       </p:grpSpPr>
+      <p:sp>
+        <p:nvSpPr>
+          <p:cNvPr id="2" name="Rectangle 1">
+            <a:extLst>
+              <a:ext uri="{FF2B5EF4-FFF2-40B4-BE49-F238E27FC236}">
+                <a16:creationId xmlns:a16="http://schemas.microsoft.com/office/drawing/2014/main" id="{D44A4662-EB3E-4D8E-9110-40C5C7ADC255}"/>
+              </a:ext>
+            </a:extLst>
+          </p:cNvPr>
+          <p:cNvSpPr/>
+          <p:nvPr/>
+        </p:nvSpPr>
+        <p:spPr>
+          <a:xfrm>
+            <a:off x="1304428" y="923067"/>
+            <a:ext cx="2890545" cy="4030294"/>
+          </a:xfrm>
+          <a:prstGeom prst="rect">
+            <a:avLst/>
+          </a:prstGeom>
+        </p:spPr>
+        <p:style>
+          <a:lnRef idx="2">
+            <a:schemeClr val="accent1">
+              <a:shade val="50000"/>
+            </a:schemeClr>
+          </a:lnRef>
+          <a:fillRef idx="1">
+            <a:schemeClr val="accent1"/>
+          </a:fillRef>
+          <a:effectRef idx="0">
+            <a:schemeClr val="accent1"/>
+          </a:effectRef>
+          <a:fontRef idx="minor">
+            <a:schemeClr val="lt1"/>
+          </a:fontRef>
+        </p:style>
+        <p:txBody>
+          <a:bodyPr rtlCol="0" anchor="ctr"/>
+          <a:lstStyle/>
+          <a:p>
+            <a:pPr algn="ctr"/>
+            <a:endParaRPr lang="en-US"/>
+          </a:p>
+        </p:txBody>
+      </p:sp>
+      <p:sp>
+        <p:nvSpPr>
+          <p:cNvPr id="3" name="Rectangle: Rounded Corners 2">
+            <a:extLst>
+              <a:ext uri="{FF2B5EF4-FFF2-40B4-BE49-F238E27FC236}">
+                <a16:creationId xmlns:a16="http://schemas.microsoft.com/office/drawing/2014/main" id="{13C1CD81-A1A4-4439-B977-73BD6EECF3F3}"/>
+              </a:ext>
+            </a:extLst>
+          </p:cNvPr>
+          <p:cNvSpPr/>
+          <p:nvPr/>
+        </p:nvSpPr>
+        <p:spPr>
+          <a:xfrm>
+            <a:off x="1828800" y="2262165"/>
+            <a:ext cx="1776796" cy="455033"/>
+          </a:xfrm>
+          <a:prstGeom prst="roundRect">
+            <a:avLst/>
+          </a:prstGeom>
+        </p:spPr>
+        <p:style>
+          <a:lnRef idx="2">
+            <a:schemeClr val="accent1">
+              <a:shade val="50000"/>
+            </a:schemeClr>
+          </a:lnRef>
+          <a:fillRef idx="1">
+            <a:schemeClr val="accent1"/>
+          </a:fillRef>
+          <a:effectRef idx="0">
+            <a:schemeClr val="accent1"/>
+          </a:effectRef>
+          <a:fontRef idx="minor">
+            <a:schemeClr val="lt1"/>
+          </a:fontRef>
+        </p:style>
+        <p:txBody>
+          <a:bodyPr rtlCol="0" anchor="ctr"/>
+          <a:lstStyle/>
+          <a:p>
+            <a:pPr algn="ctr"/>
+            <a:endParaRPr lang="en-US"/>
+          </a:p>
+        </p:txBody>
+      </p:sp>
+      <p:sp>
+        <p:nvSpPr>
+          <p:cNvPr id="4" name="Rectangle: Rounded Corners 3">
+            <a:extLst>
+              <a:ext uri="{FF2B5EF4-FFF2-40B4-BE49-F238E27FC236}">
+                <a16:creationId xmlns:a16="http://schemas.microsoft.com/office/drawing/2014/main" id="{0ACA2801-0039-4CFC-BD69-28321C75385D}"/>
+              </a:ext>
+            </a:extLst>
+          </p:cNvPr>
+          <p:cNvSpPr/>
+          <p:nvPr/>
+        </p:nvSpPr>
+        <p:spPr>
+          <a:xfrm>
+            <a:off x="1828800" y="2973967"/>
+            <a:ext cx="1776796" cy="455033"/>
+          </a:xfrm>
+          <a:prstGeom prst="roundRect">
+            <a:avLst/>
+          </a:prstGeom>
+        </p:spPr>
+        <p:style>
+          <a:lnRef idx="2">
+            <a:schemeClr val="accent1">
+              <a:shade val="50000"/>
+            </a:schemeClr>
+          </a:lnRef>
+          <a:fillRef idx="1">
+            <a:schemeClr val="accent1"/>
+          </a:fillRef>
+          <a:effectRef idx="0">
+            <a:schemeClr val="accent1"/>
+          </a:effectRef>
+          <a:fontRef idx="minor">
+            <a:schemeClr val="lt1"/>
+          </a:fontRef>
+        </p:style>
+        <p:txBody>
+          <a:bodyPr rtlCol="0" anchor="ctr"/>
+          <a:lstStyle/>
+          <a:p>
+            <a:pPr algn="ctr"/>
+            <a:endParaRPr lang="en-US"/>
+          </a:p>
+        </p:txBody>
+      </p:sp>
+      <p:sp>
+        <p:nvSpPr>
+          <p:cNvPr id="5" name="Rectangle: Rounded Corners 4">
+            <a:extLst>
+              <a:ext uri="{FF2B5EF4-FFF2-40B4-BE49-F238E27FC236}">
+                <a16:creationId xmlns:a16="http://schemas.microsoft.com/office/drawing/2014/main" id="{52D13254-C28E-4965-BC97-9D58AD6F550B}"/>
+              </a:ext>
+            </a:extLst>
+          </p:cNvPr>
+          <p:cNvSpPr/>
+          <p:nvPr/>
+        </p:nvSpPr>
+        <p:spPr>
+          <a:xfrm>
+            <a:off x="1828800" y="3866337"/>
+            <a:ext cx="1776796" cy="455033"/>
+          </a:xfrm>
+          <a:prstGeom prst="roundRect">
+            <a:avLst/>
+          </a:prstGeom>
+        </p:spPr>
+        <p:style>
+          <a:lnRef idx="2">
+            <a:schemeClr val="accent1">
+              <a:shade val="50000"/>
+            </a:schemeClr>
+          </a:lnRef>
+          <a:fillRef idx="1">
+            <a:schemeClr val="accent1"/>
+          </a:fillRef>
+          <a:effectRef idx="0">
+            <a:schemeClr val="accent1"/>
+          </a:effectRef>
+          <a:fontRef idx="minor">
+            <a:schemeClr val="lt1"/>
+          </a:fontRef>
+        </p:style>
+        <p:txBody>
+          <a:bodyPr rtlCol="0" anchor="ctr"/>
+          <a:lstStyle/>
+          <a:p>
+            <a:pPr algn="ctr"/>
+            <a:r>
+              <a:rPr lang="en-GB" dirty="0"/>
+              <a:t>Login</a:t>
+            </a:r>
+            <a:endParaRPr lang="en-US" dirty="0"/>
+          </a:p>
+        </p:txBody>
+      </p:sp>
+      <p:sp>
+        <p:nvSpPr>
+          <p:cNvPr id="6" name="Rectangle 5">
+            <a:extLst>
+              <a:ext uri="{FF2B5EF4-FFF2-40B4-BE49-F238E27FC236}">
+                <a16:creationId xmlns:a16="http://schemas.microsoft.com/office/drawing/2014/main" id="{E00A1460-B608-4D02-B617-CF60B1F15B4F}"/>
+              </a:ext>
+            </a:extLst>
+          </p:cNvPr>
+          <p:cNvSpPr/>
+          <p:nvPr/>
+        </p:nvSpPr>
+        <p:spPr>
+          <a:xfrm>
+            <a:off x="7198914" y="958820"/>
+            <a:ext cx="2890545" cy="4030294"/>
+          </a:xfrm>
+          <a:prstGeom prst="rect">
+            <a:avLst/>
+          </a:prstGeom>
+        </p:spPr>
+        <p:style>
+          <a:lnRef idx="2">
+            <a:schemeClr val="accent1">
+              <a:shade val="50000"/>
+            </a:schemeClr>
+          </a:lnRef>
+          <a:fillRef idx="1">
+            <a:schemeClr val="accent1"/>
+          </a:fillRef>
+          <a:effectRef idx="0">
+            <a:schemeClr val="accent1"/>
+          </a:effectRef>
+          <a:fontRef idx="minor">
+            <a:schemeClr val="lt1"/>
+          </a:fontRef>
+        </p:style>
+        <p:txBody>
+          <a:bodyPr rtlCol="0" anchor="ctr"/>
+          <a:lstStyle/>
+          <a:p>
+            <a:pPr algn="ctr"/>
+            <a:endParaRPr lang="en-US"/>
+          </a:p>
+        </p:txBody>
+      </p:sp>
+      <p:sp>
+        <p:nvSpPr>
+          <p:cNvPr id="7" name="TextBox 6">
+            <a:extLst>
+              <a:ext uri="{FF2B5EF4-FFF2-40B4-BE49-F238E27FC236}">
+                <a16:creationId xmlns:a16="http://schemas.microsoft.com/office/drawing/2014/main" id="{E5520049-3648-4096-99BC-053975FD1207}"/>
+              </a:ext>
+            </a:extLst>
+          </p:cNvPr>
+          <p:cNvSpPr txBox="1"/>
+          <p:nvPr/>
+        </p:nvSpPr>
+        <p:spPr>
+          <a:xfrm>
+            <a:off x="8086590" y="2019480"/>
+            <a:ext cx="1210588" cy="369332"/>
+          </a:xfrm>
+          <a:prstGeom prst="rect">
+            <a:avLst/>
+          </a:prstGeom>
+          <a:noFill/>
+        </p:spPr>
+        <p:txBody>
+          <a:bodyPr wrap="none" rtlCol="0">
+            <a:spAutoFit/>
+          </a:bodyPr>
+          <a:lstStyle/>
+          <a:p>
+            <a:r>
+              <a:rPr lang="en-GB" dirty="0" err="1"/>
+              <a:t>ICommand</a:t>
+            </a:r>
+            <a:endParaRPr lang="en-US" dirty="0"/>
+          </a:p>
+        </p:txBody>
+      </p:sp>
+      <p:sp>
+        <p:nvSpPr>
+          <p:cNvPr id="8" name="TextBox 7">
+            <a:extLst>
+              <a:ext uri="{FF2B5EF4-FFF2-40B4-BE49-F238E27FC236}">
+                <a16:creationId xmlns:a16="http://schemas.microsoft.com/office/drawing/2014/main" id="{41F91B75-DC39-4D3D-A6A8-8D2AFDFC7EBD}"/>
+              </a:ext>
+            </a:extLst>
+          </p:cNvPr>
+          <p:cNvSpPr txBox="1"/>
+          <p:nvPr/>
+        </p:nvSpPr>
+        <p:spPr>
+          <a:xfrm>
+            <a:off x="7389594" y="3244334"/>
+            <a:ext cx="2034275" cy="646331"/>
+          </a:xfrm>
+          <a:prstGeom prst="rect">
+            <a:avLst/>
+          </a:prstGeom>
+          <a:noFill/>
+        </p:spPr>
+        <p:txBody>
+          <a:bodyPr wrap="none" rtlCol="0">
+            <a:spAutoFit/>
+          </a:bodyPr>
+          <a:lstStyle/>
+          <a:p>
+            <a:r>
+              <a:rPr lang="en-GB" dirty="0" err="1"/>
+              <a:t>CanExecute</a:t>
+            </a:r>
+            <a:r>
+              <a:rPr lang="en-GB" dirty="0"/>
+              <a:t>? = false</a:t>
+            </a:r>
+          </a:p>
+          <a:p>
+            <a:r>
+              <a:rPr lang="en-GB" dirty="0">
+                <a:solidFill>
+                  <a:schemeClr val="bg1">
+                    <a:lumMod val="65000"/>
+                  </a:schemeClr>
+                </a:solidFill>
+              </a:rPr>
+              <a:t>Execute</a:t>
+            </a:r>
+            <a:endParaRPr lang="en-US" dirty="0">
+              <a:solidFill>
+                <a:schemeClr val="bg1">
+                  <a:lumMod val="65000"/>
+                </a:schemeClr>
+              </a:solidFill>
+            </a:endParaRPr>
+          </a:p>
+        </p:txBody>
+      </p:sp>
+      <p:cxnSp>
+        <p:nvCxnSpPr>
+          <p:cNvPr id="10" name="Straight Arrow Connector 9">
+            <a:extLst>
+              <a:ext uri="{FF2B5EF4-FFF2-40B4-BE49-F238E27FC236}">
+                <a16:creationId xmlns:a16="http://schemas.microsoft.com/office/drawing/2014/main" id="{892C8E86-B5BC-4D0B-890C-830F8AFE56F4}"/>
+              </a:ext>
+            </a:extLst>
+          </p:cNvPr>
+          <p:cNvCxnSpPr>
+            <a:stCxn id="2" idx="3"/>
+            <a:endCxn id="6" idx="1"/>
+          </p:cNvCxnSpPr>
+          <p:nvPr/>
+        </p:nvCxnSpPr>
+        <p:spPr>
+          <a:xfrm>
+            <a:off x="4194973" y="2938214"/>
+            <a:ext cx="3003941" cy="35753"/>
+          </a:xfrm>
+          <a:prstGeom prst="straightConnector1">
+            <a:avLst/>
+          </a:prstGeom>
+          <a:ln>
+            <a:headEnd type="triangle"/>
+            <a:tailEnd type="triangle"/>
+          </a:ln>
+        </p:spPr>
+        <p:style>
+          <a:lnRef idx="2">
+            <a:schemeClr val="accent1"/>
+          </a:lnRef>
+          <a:fillRef idx="0">
+            <a:schemeClr val="accent1"/>
+          </a:fillRef>
+          <a:effectRef idx="1">
+            <a:schemeClr val="accent1"/>
+          </a:effectRef>
+          <a:fontRef idx="minor">
+            <a:schemeClr val="tx1"/>
+          </a:fontRef>
+        </p:style>
+      </p:cxnSp>
+      <p:sp>
+        <p:nvSpPr>
+          <p:cNvPr id="11" name="Rectangle 10">
+            <a:extLst>
+              <a:ext uri="{FF2B5EF4-FFF2-40B4-BE49-F238E27FC236}">
+                <a16:creationId xmlns:a16="http://schemas.microsoft.com/office/drawing/2014/main" id="{29E528FB-8AE2-4BAB-8BD5-5F9E533FDE66}"/>
+              </a:ext>
+            </a:extLst>
+          </p:cNvPr>
+          <p:cNvSpPr/>
+          <p:nvPr/>
+        </p:nvSpPr>
+        <p:spPr>
+          <a:xfrm>
+            <a:off x="1304428" y="5259481"/>
+            <a:ext cx="2890545" cy="4030294"/>
+          </a:xfrm>
+          <a:prstGeom prst="rect">
+            <a:avLst/>
+          </a:prstGeom>
+        </p:spPr>
+        <p:style>
+          <a:lnRef idx="2">
+            <a:schemeClr val="accent1">
+              <a:shade val="50000"/>
+            </a:schemeClr>
+          </a:lnRef>
+          <a:fillRef idx="1">
+            <a:schemeClr val="accent1"/>
+          </a:fillRef>
+          <a:effectRef idx="0">
+            <a:schemeClr val="accent1"/>
+          </a:effectRef>
+          <a:fontRef idx="minor">
+            <a:schemeClr val="lt1"/>
+          </a:fontRef>
+        </p:style>
+        <p:txBody>
+          <a:bodyPr rtlCol="0" anchor="ctr"/>
+          <a:lstStyle/>
+          <a:p>
+            <a:pPr algn="ctr"/>
+            <a:endParaRPr lang="en-US"/>
+          </a:p>
+        </p:txBody>
+      </p:sp>
+      <p:sp>
+        <p:nvSpPr>
+          <p:cNvPr id="12" name="Rectangle: Rounded Corners 11">
+            <a:extLst>
+              <a:ext uri="{FF2B5EF4-FFF2-40B4-BE49-F238E27FC236}">
+                <a16:creationId xmlns:a16="http://schemas.microsoft.com/office/drawing/2014/main" id="{3885C4BB-9E26-4869-BCD6-5B887388A9C8}"/>
+              </a:ext>
+            </a:extLst>
+          </p:cNvPr>
+          <p:cNvSpPr/>
+          <p:nvPr/>
+        </p:nvSpPr>
+        <p:spPr>
+          <a:xfrm>
+            <a:off x="1828800" y="6598579"/>
+            <a:ext cx="1776796" cy="455033"/>
+          </a:xfrm>
+          <a:prstGeom prst="roundRect">
+            <a:avLst/>
+          </a:prstGeom>
+        </p:spPr>
+        <p:style>
+          <a:lnRef idx="2">
+            <a:schemeClr val="accent1">
+              <a:shade val="50000"/>
+            </a:schemeClr>
+          </a:lnRef>
+          <a:fillRef idx="1">
+            <a:schemeClr val="accent1"/>
+          </a:fillRef>
+          <a:effectRef idx="0">
+            <a:schemeClr val="accent1"/>
+          </a:effectRef>
+          <a:fontRef idx="minor">
+            <a:schemeClr val="lt1"/>
+          </a:fontRef>
+        </p:style>
+        <p:txBody>
+          <a:bodyPr rtlCol="0" anchor="ctr"/>
+          <a:lstStyle/>
+          <a:p>
+            <a:pPr algn="ctr"/>
+            <a:r>
+              <a:rPr lang="en-GB" dirty="0"/>
+              <a:t>email@ej.co</a:t>
+            </a:r>
+            <a:endParaRPr lang="en-US" dirty="0"/>
+          </a:p>
+        </p:txBody>
+      </p:sp>
+      <p:sp>
+        <p:nvSpPr>
+          <p:cNvPr id="13" name="Rectangle: Rounded Corners 12">
+            <a:extLst>
+              <a:ext uri="{FF2B5EF4-FFF2-40B4-BE49-F238E27FC236}">
+                <a16:creationId xmlns:a16="http://schemas.microsoft.com/office/drawing/2014/main" id="{CFD235F2-DFF6-430E-9BAD-F62495A1A1EC}"/>
+              </a:ext>
+            </a:extLst>
+          </p:cNvPr>
+          <p:cNvSpPr/>
+          <p:nvPr/>
+        </p:nvSpPr>
+        <p:spPr>
+          <a:xfrm>
+            <a:off x="1828800" y="7310381"/>
+            <a:ext cx="1776796" cy="455033"/>
+          </a:xfrm>
+          <a:prstGeom prst="roundRect">
+            <a:avLst/>
+          </a:prstGeom>
+        </p:spPr>
+        <p:style>
+          <a:lnRef idx="2">
+            <a:schemeClr val="accent1">
+              <a:shade val="50000"/>
+            </a:schemeClr>
+          </a:lnRef>
+          <a:fillRef idx="1">
+            <a:schemeClr val="accent1"/>
+          </a:fillRef>
+          <a:effectRef idx="0">
+            <a:schemeClr val="accent1"/>
+          </a:effectRef>
+          <a:fontRef idx="minor">
+            <a:schemeClr val="lt1"/>
+          </a:fontRef>
+        </p:style>
+        <p:txBody>
+          <a:bodyPr rtlCol="0" anchor="ctr"/>
+          <a:lstStyle/>
+          <a:p>
+            <a:pPr algn="ctr"/>
+            <a:r>
+              <a:rPr lang="en-GB" dirty="0"/>
+              <a:t>secret</a:t>
+            </a:r>
+            <a:endParaRPr lang="en-US" dirty="0"/>
+          </a:p>
+        </p:txBody>
+      </p:sp>
+      <p:sp>
+        <p:nvSpPr>
+          <p:cNvPr id="14" name="Rectangle: Rounded Corners 13">
+            <a:extLst>
+              <a:ext uri="{FF2B5EF4-FFF2-40B4-BE49-F238E27FC236}">
+                <a16:creationId xmlns:a16="http://schemas.microsoft.com/office/drawing/2014/main" id="{09287902-73ED-4113-9483-53870C648669}"/>
+              </a:ext>
+            </a:extLst>
+          </p:cNvPr>
+          <p:cNvSpPr/>
+          <p:nvPr/>
+        </p:nvSpPr>
+        <p:spPr>
+          <a:xfrm>
+            <a:off x="1828800" y="8202751"/>
+            <a:ext cx="1776796" cy="455033"/>
+          </a:xfrm>
+          <a:prstGeom prst="roundRect">
+            <a:avLst/>
+          </a:prstGeom>
+        </p:spPr>
+        <p:style>
+          <a:lnRef idx="2">
+            <a:schemeClr val="accent1">
+              <a:shade val="50000"/>
+            </a:schemeClr>
+          </a:lnRef>
+          <a:fillRef idx="1">
+            <a:schemeClr val="accent1"/>
+          </a:fillRef>
+          <a:effectRef idx="0">
+            <a:schemeClr val="accent1"/>
+          </a:effectRef>
+          <a:fontRef idx="minor">
+            <a:schemeClr val="lt1"/>
+          </a:fontRef>
+        </p:style>
+        <p:txBody>
+          <a:bodyPr rtlCol="0" anchor="ctr"/>
+          <a:lstStyle/>
+          <a:p>
+            <a:pPr algn="ctr"/>
+            <a:r>
+              <a:rPr lang="en-GB" dirty="0"/>
+              <a:t>Login</a:t>
+            </a:r>
+            <a:endParaRPr lang="en-US" dirty="0"/>
+          </a:p>
+        </p:txBody>
+      </p:sp>
+      <p:sp>
+        <p:nvSpPr>
+          <p:cNvPr id="15" name="Rectangle 14">
+            <a:extLst>
+              <a:ext uri="{FF2B5EF4-FFF2-40B4-BE49-F238E27FC236}">
+                <a16:creationId xmlns:a16="http://schemas.microsoft.com/office/drawing/2014/main" id="{AD998561-DABC-44DD-A958-85CA71598020}"/>
+              </a:ext>
+            </a:extLst>
+          </p:cNvPr>
+          <p:cNvSpPr/>
+          <p:nvPr/>
+        </p:nvSpPr>
+        <p:spPr>
+          <a:xfrm>
+            <a:off x="7198914" y="5295234"/>
+            <a:ext cx="2890545" cy="4030294"/>
+          </a:xfrm>
+          <a:prstGeom prst="rect">
+            <a:avLst/>
+          </a:prstGeom>
+        </p:spPr>
+        <p:style>
+          <a:lnRef idx="2">
+            <a:schemeClr val="accent1">
+              <a:shade val="50000"/>
+            </a:schemeClr>
+          </a:lnRef>
+          <a:fillRef idx="1">
+            <a:schemeClr val="accent1"/>
+          </a:fillRef>
+          <a:effectRef idx="0">
+            <a:schemeClr val="accent1"/>
+          </a:effectRef>
+          <a:fontRef idx="minor">
+            <a:schemeClr val="lt1"/>
+          </a:fontRef>
+        </p:style>
+        <p:txBody>
+          <a:bodyPr rtlCol="0" anchor="ctr"/>
+          <a:lstStyle/>
+          <a:p>
+            <a:pPr algn="ctr"/>
+            <a:endParaRPr lang="en-US"/>
+          </a:p>
+        </p:txBody>
+      </p:sp>
+      <p:sp>
+        <p:nvSpPr>
+          <p:cNvPr id="16" name="TextBox 15">
+            <a:extLst>
+              <a:ext uri="{FF2B5EF4-FFF2-40B4-BE49-F238E27FC236}">
+                <a16:creationId xmlns:a16="http://schemas.microsoft.com/office/drawing/2014/main" id="{3074CA77-A815-4B61-8781-77723515D3CB}"/>
+              </a:ext>
+            </a:extLst>
+          </p:cNvPr>
+          <p:cNvSpPr txBox="1"/>
+          <p:nvPr/>
+        </p:nvSpPr>
+        <p:spPr>
+          <a:xfrm>
+            <a:off x="8086590" y="6355894"/>
+            <a:ext cx="1210588" cy="369332"/>
+          </a:xfrm>
+          <a:prstGeom prst="rect">
+            <a:avLst/>
+          </a:prstGeom>
+          <a:noFill/>
+        </p:spPr>
+        <p:txBody>
+          <a:bodyPr wrap="none" rtlCol="0">
+            <a:spAutoFit/>
+          </a:bodyPr>
+          <a:lstStyle/>
+          <a:p>
+            <a:r>
+              <a:rPr lang="en-GB" dirty="0" err="1"/>
+              <a:t>ICommand</a:t>
+            </a:r>
+            <a:endParaRPr lang="en-US" dirty="0"/>
+          </a:p>
+        </p:txBody>
+      </p:sp>
+      <p:sp>
+        <p:nvSpPr>
+          <p:cNvPr id="17" name="TextBox 16">
+            <a:extLst>
+              <a:ext uri="{FF2B5EF4-FFF2-40B4-BE49-F238E27FC236}">
+                <a16:creationId xmlns:a16="http://schemas.microsoft.com/office/drawing/2014/main" id="{188AA88C-556C-404F-AE1D-A0536FA857A9}"/>
+              </a:ext>
+            </a:extLst>
+          </p:cNvPr>
+          <p:cNvSpPr txBox="1"/>
+          <p:nvPr/>
+        </p:nvSpPr>
+        <p:spPr>
+          <a:xfrm>
+            <a:off x="7389594" y="7580748"/>
+            <a:ext cx="1993879" cy="646331"/>
+          </a:xfrm>
+          <a:prstGeom prst="rect">
+            <a:avLst/>
+          </a:prstGeom>
+          <a:noFill/>
+        </p:spPr>
+        <p:txBody>
+          <a:bodyPr wrap="none" rtlCol="0">
+            <a:spAutoFit/>
+          </a:bodyPr>
+          <a:lstStyle/>
+          <a:p>
+            <a:r>
+              <a:rPr lang="en-GB" dirty="0" err="1"/>
+              <a:t>CanExecute</a:t>
+            </a:r>
+            <a:r>
+              <a:rPr lang="en-GB" dirty="0"/>
+              <a:t>? = true</a:t>
+            </a:r>
+          </a:p>
+          <a:p>
+            <a:r>
+              <a:rPr lang="en-GB" dirty="0"/>
+              <a:t>Execute</a:t>
+            </a:r>
+          </a:p>
+        </p:txBody>
+      </p:sp>
+      <p:cxnSp>
+        <p:nvCxnSpPr>
+          <p:cNvPr id="18" name="Straight Arrow Connector 17">
+            <a:extLst>
+              <a:ext uri="{FF2B5EF4-FFF2-40B4-BE49-F238E27FC236}">
+                <a16:creationId xmlns:a16="http://schemas.microsoft.com/office/drawing/2014/main" id="{F18968B1-D306-4133-9E6C-35376A03A856}"/>
+              </a:ext>
+            </a:extLst>
+          </p:cNvPr>
+          <p:cNvCxnSpPr>
+            <a:stCxn id="11" idx="3"/>
+            <a:endCxn id="15" idx="1"/>
+          </p:cNvCxnSpPr>
+          <p:nvPr/>
+        </p:nvCxnSpPr>
+        <p:spPr>
+          <a:xfrm>
+            <a:off x="4194973" y="7274628"/>
+            <a:ext cx="3003941" cy="35753"/>
+          </a:xfrm>
+          <a:prstGeom prst="straightConnector1">
+            <a:avLst/>
+          </a:prstGeom>
+          <a:ln>
+            <a:headEnd type="triangle"/>
+            <a:tailEnd type="triangle"/>
+          </a:ln>
+        </p:spPr>
+        <p:style>
+          <a:lnRef idx="2">
+            <a:schemeClr val="accent1"/>
+          </a:lnRef>
+          <a:fillRef idx="0">
+            <a:schemeClr val="accent1"/>
+          </a:fillRef>
+          <a:effectRef idx="1">
+            <a:schemeClr val="accent1"/>
+          </a:effectRef>
+          <a:fontRef idx="minor">
+            <a:schemeClr val="tx1"/>
+          </a:fontRef>
+        </p:style>
+      </p:cxnSp>
     </p:spTree>
     <p:extLst>
       <p:ext uri="{BB962C8B-B14F-4D97-AF65-F5344CB8AC3E}">
@@ -27894,6 +28874,312 @@
           <a:chExt cx="0" cy="0"/>
         </a:xfrm>
       </p:grpSpPr>
+      <p:sp>
+        <p:nvSpPr>
+          <p:cNvPr id="3" name="TextBox 2">
+            <a:extLst>
+              <a:ext uri="{FF2B5EF4-FFF2-40B4-BE49-F238E27FC236}">
+                <a16:creationId xmlns:a16="http://schemas.microsoft.com/office/drawing/2014/main" id="{46E5B3A9-0C55-41F0-B1A6-61BE7D5A727E}"/>
+              </a:ext>
+            </a:extLst>
+          </p:cNvPr>
+          <p:cNvSpPr txBox="1"/>
+          <p:nvPr/>
+        </p:nvSpPr>
+        <p:spPr>
+          <a:xfrm>
+            <a:off x="709862" y="966075"/>
+            <a:ext cx="7471611" cy="1754326"/>
+          </a:xfrm>
+          <a:prstGeom prst="rect">
+            <a:avLst/>
+          </a:prstGeom>
+          <a:noFill/>
+        </p:spPr>
+        <p:txBody>
+          <a:bodyPr wrap="square">
+            <a:spAutoFit/>
+          </a:bodyPr>
+          <a:lstStyle/>
+          <a:p>
+            <a:r>
+              <a:rPr lang="en-US" sz="1800" dirty="0">
+                <a:solidFill>
+                  <a:srgbClr val="000000"/>
+                </a:solidFill>
+                <a:highlight>
+                  <a:srgbClr val="FFFFFF"/>
+                </a:highlight>
+                <a:latin typeface="Cascadia Mono" panose="020B0609020000020004" pitchFamily="49" charset="0"/>
+              </a:rPr>
+              <a:t> </a:t>
+            </a:r>
+            <a:r>
+              <a:rPr lang="en-US" sz="1800" dirty="0">
+                <a:solidFill>
+                  <a:srgbClr val="0000FF"/>
+                </a:solidFill>
+                <a:highlight>
+                  <a:srgbClr val="FFFFFF"/>
+                </a:highlight>
+                <a:latin typeface="Cascadia Mono" panose="020B0609020000020004" pitchFamily="49" charset="0"/>
+              </a:rPr>
+              <a:t>public</a:t>
+            </a:r>
+            <a:r>
+              <a:rPr lang="en-US" sz="1800" dirty="0">
+                <a:solidFill>
+                  <a:srgbClr val="000000"/>
+                </a:solidFill>
+                <a:highlight>
+                  <a:srgbClr val="FFFFFF"/>
+                </a:highlight>
+                <a:latin typeface="Cascadia Mono" panose="020B0609020000020004" pitchFamily="49" charset="0"/>
+              </a:rPr>
+              <a:t> </a:t>
+            </a:r>
+            <a:r>
+              <a:rPr lang="en-US" sz="1800" dirty="0">
+                <a:solidFill>
+                  <a:srgbClr val="0000FF"/>
+                </a:solidFill>
+                <a:highlight>
+                  <a:srgbClr val="FFFFFF"/>
+                </a:highlight>
+                <a:latin typeface="Cascadia Mono" panose="020B0609020000020004" pitchFamily="49" charset="0"/>
+              </a:rPr>
+              <a:t>async</a:t>
+            </a:r>
+            <a:r>
+              <a:rPr lang="en-US" sz="1800" dirty="0">
+                <a:solidFill>
+                  <a:srgbClr val="000000"/>
+                </a:solidFill>
+                <a:highlight>
+                  <a:srgbClr val="FFFFFF"/>
+                </a:highlight>
+                <a:latin typeface="Cascadia Mono" panose="020B0609020000020004" pitchFamily="49" charset="0"/>
+              </a:rPr>
+              <a:t> </a:t>
+            </a:r>
+            <a:r>
+              <a:rPr lang="en-US" sz="1800" dirty="0">
+                <a:solidFill>
+                  <a:srgbClr val="0000FF"/>
+                </a:solidFill>
+                <a:highlight>
+                  <a:srgbClr val="FFFFFF"/>
+                </a:highlight>
+                <a:latin typeface="Cascadia Mono" panose="020B0609020000020004" pitchFamily="49" charset="0"/>
+              </a:rPr>
+              <a:t>void</a:t>
+            </a:r>
+            <a:r>
+              <a:rPr lang="en-US" sz="1800" dirty="0">
+                <a:solidFill>
+                  <a:srgbClr val="000000"/>
+                </a:solidFill>
+                <a:highlight>
+                  <a:srgbClr val="FFFFFF"/>
+                </a:highlight>
+                <a:latin typeface="Cascadia Mono" panose="020B0609020000020004" pitchFamily="49" charset="0"/>
+              </a:rPr>
+              <a:t> </a:t>
+            </a:r>
+            <a:r>
+              <a:rPr lang="en-US" sz="1800" dirty="0" err="1">
+                <a:solidFill>
+                  <a:srgbClr val="000000"/>
+                </a:solidFill>
+                <a:highlight>
+                  <a:srgbClr val="FFFFFF"/>
+                </a:highlight>
+                <a:latin typeface="Cascadia Mono" panose="020B0609020000020004" pitchFamily="49" charset="0"/>
+              </a:rPr>
+              <a:t>MakeQuery</a:t>
+            </a:r>
+            <a:r>
+              <a:rPr lang="en-US" sz="1800" dirty="0">
+                <a:solidFill>
+                  <a:srgbClr val="000000"/>
+                </a:solidFill>
+                <a:highlight>
+                  <a:srgbClr val="FFFFFF"/>
+                </a:highlight>
+                <a:latin typeface="Cascadia Mono" panose="020B0609020000020004" pitchFamily="49" charset="0"/>
+              </a:rPr>
+              <a:t>()</a:t>
+            </a:r>
+          </a:p>
+          <a:p>
+            <a:r>
+              <a:rPr lang="en-US" sz="1800" dirty="0">
+                <a:solidFill>
+                  <a:srgbClr val="000000"/>
+                </a:solidFill>
+                <a:highlight>
+                  <a:srgbClr val="FFFFFF"/>
+                </a:highlight>
+                <a:latin typeface="Cascadia Mono" panose="020B0609020000020004" pitchFamily="49" charset="0"/>
+              </a:rPr>
+              <a:t> {</a:t>
+            </a:r>
+          </a:p>
+          <a:p>
+            <a:r>
+              <a:rPr lang="en-US" sz="1800" dirty="0">
+                <a:solidFill>
+                  <a:srgbClr val="000000"/>
+                </a:solidFill>
+                <a:highlight>
+                  <a:srgbClr val="FFFFFF"/>
+                </a:highlight>
+                <a:latin typeface="Cascadia Mono" panose="020B0609020000020004" pitchFamily="49" charset="0"/>
+              </a:rPr>
+              <a:t>     </a:t>
+            </a:r>
+            <a:r>
+              <a:rPr lang="en-US" sz="1800" dirty="0">
+                <a:solidFill>
+                  <a:srgbClr val="0000FF"/>
+                </a:solidFill>
+                <a:highlight>
+                  <a:srgbClr val="FFFFFF"/>
+                </a:highlight>
+                <a:latin typeface="Cascadia Mono" panose="020B0609020000020004" pitchFamily="49" charset="0"/>
+              </a:rPr>
+              <a:t>var</a:t>
+            </a:r>
+            <a:r>
+              <a:rPr lang="en-US" sz="1800" dirty="0">
+                <a:solidFill>
+                  <a:srgbClr val="000000"/>
+                </a:solidFill>
+                <a:highlight>
+                  <a:srgbClr val="FFFFFF"/>
+                </a:highlight>
+                <a:latin typeface="Cascadia Mono" panose="020B0609020000020004" pitchFamily="49" charset="0"/>
+              </a:rPr>
+              <a:t> cities = </a:t>
+            </a:r>
+            <a:r>
+              <a:rPr lang="en-US" sz="1800" dirty="0">
+                <a:solidFill>
+                  <a:srgbClr val="0000FF"/>
+                </a:solidFill>
+                <a:highlight>
+                  <a:srgbClr val="FFFFFF"/>
+                </a:highlight>
+                <a:latin typeface="Cascadia Mono" panose="020B0609020000020004" pitchFamily="49" charset="0"/>
+              </a:rPr>
+              <a:t>await</a:t>
+            </a:r>
+            <a:r>
+              <a:rPr lang="en-US" sz="1800" dirty="0">
+                <a:solidFill>
+                  <a:srgbClr val="000000"/>
+                </a:solidFill>
+                <a:highlight>
+                  <a:srgbClr val="FFFFFF"/>
+                </a:highlight>
+                <a:latin typeface="Cascadia Mono" panose="020B0609020000020004" pitchFamily="49" charset="0"/>
+              </a:rPr>
+              <a:t> </a:t>
+            </a:r>
+            <a:r>
+              <a:rPr lang="en-US" dirty="0">
+                <a:solidFill>
+                  <a:srgbClr val="000000"/>
+                </a:solidFill>
+                <a:highlight>
+                  <a:srgbClr val="FFFFFF"/>
+                </a:highlight>
+                <a:latin typeface="Cascadia Mono" panose="020B0609020000020004" pitchFamily="49" charset="0"/>
+              </a:rPr>
+              <a:t>  </a:t>
+            </a:r>
+          </a:p>
+          <a:p>
+            <a:r>
+              <a:rPr lang="en-US" sz="1800" dirty="0">
+                <a:solidFill>
+                  <a:srgbClr val="000000"/>
+                </a:solidFill>
+                <a:highlight>
+                  <a:srgbClr val="FFFFFF"/>
+                </a:highlight>
+                <a:latin typeface="Cascadia Mono" panose="020B0609020000020004" pitchFamily="49" charset="0"/>
+              </a:rPr>
+              <a:t>     </a:t>
+            </a:r>
+            <a:r>
+              <a:rPr lang="en-US" sz="1800" dirty="0" err="1">
+                <a:solidFill>
+                  <a:srgbClr val="2B91AF"/>
+                </a:solidFill>
+                <a:highlight>
+                  <a:srgbClr val="FFFFFF"/>
+                </a:highlight>
+                <a:latin typeface="Cascadia Mono" panose="020B0609020000020004" pitchFamily="49" charset="0"/>
+              </a:rPr>
+              <a:t>AccuWeatherHelper</a:t>
+            </a:r>
+            <a:r>
+              <a:rPr lang="en-US" sz="1800" dirty="0" err="1">
+                <a:solidFill>
+                  <a:srgbClr val="000000"/>
+                </a:solidFill>
+                <a:highlight>
+                  <a:srgbClr val="FFFFFF"/>
+                </a:highlight>
+                <a:latin typeface="Cascadia Mono" panose="020B0609020000020004" pitchFamily="49" charset="0"/>
+              </a:rPr>
+              <a:t>.GetCities</a:t>
+            </a:r>
+            <a:r>
+              <a:rPr lang="en-US" sz="1800" dirty="0">
+                <a:solidFill>
+                  <a:srgbClr val="000000"/>
+                </a:solidFill>
+                <a:highlight>
+                  <a:srgbClr val="FFFFFF"/>
+                </a:highlight>
+                <a:latin typeface="Cascadia Mono" panose="020B0609020000020004" pitchFamily="49" charset="0"/>
+              </a:rPr>
+              <a:t>(Query);</a:t>
+            </a:r>
+          </a:p>
+          <a:p>
+            <a:r>
+              <a:rPr lang="en-US" sz="1800" dirty="0">
+                <a:solidFill>
+                  <a:srgbClr val="000000"/>
+                </a:solidFill>
+                <a:highlight>
+                  <a:srgbClr val="FFFFFF"/>
+                </a:highlight>
+                <a:latin typeface="Cascadia Mono" panose="020B0609020000020004" pitchFamily="49" charset="0"/>
+              </a:rPr>
+              <a:t> }</a:t>
+            </a:r>
+          </a:p>
+          <a:p>
+            <a:r>
+              <a:rPr lang="en-US" sz="1800" dirty="0">
+                <a:solidFill>
+                  <a:srgbClr val="000000"/>
+                </a:solidFill>
+                <a:highlight>
+                  <a:srgbClr val="FFFFFF"/>
+                </a:highlight>
+                <a:latin typeface="Cascadia Mono" panose="020B0609020000020004" pitchFamily="49" charset="0"/>
+              </a:rPr>
+              <a:t> </a:t>
+            </a:r>
+            <a:endParaRPr lang="en-US" dirty="0"/>
+          </a:p>
+        </p:txBody>
+      </p:sp>
     </p:spTree>
     <p:extLst>
       <p:ext uri="{BB962C8B-B14F-4D97-AF65-F5344CB8AC3E}">
